--- a/Slide-projet-annuel.pptx
+++ b/Slide-projet-annuel.pptx
@@ -943,7 +943,7 @@
               </a:spcAft>
               <a:buNone/>
             </a:pPr>
-            <a:endParaRPr/>
+            <a:endParaRPr dirty="0"/>
           </a:p>
         </p:txBody>
       </p:sp>
@@ -1289,7 +1289,7 @@
               <a:t>On propose </a:t>
             </a:r>
             <a:r>
-              <a:rPr lang="en-US" sz="1100" dirty="0" err="1">
+              <a:rPr lang="fr-FR" sz="1100" noProof="0" dirty="0">
                 <a:latin typeface="Times New Roman" panose="02020603050405020304" pitchFamily="18" charset="0"/>
                 <a:ea typeface="Source Sans Pro" panose="020B0503030403020204" pitchFamily="34" charset="0"/>
                 <a:cs typeface="Times New Roman" panose="02020603050405020304" pitchFamily="18" charset="0"/>
@@ -1488,7 +1488,7 @@
               </a:spcAft>
               <a:buNone/>
             </a:pPr>
-            <a:endParaRPr/>
+            <a:endParaRPr dirty="0"/>
           </a:p>
         </p:txBody>
       </p:sp>
@@ -1597,7 +1597,7 @@
               </a:spcAft>
               <a:buNone/>
             </a:pPr>
-            <a:endParaRPr/>
+            <a:endParaRPr dirty="0"/>
           </a:p>
         </p:txBody>
       </p:sp>
@@ -1706,7 +1706,7 @@
               </a:spcAft>
               <a:buNone/>
             </a:pPr>
-            <a:endParaRPr/>
+            <a:endParaRPr dirty="0"/>
           </a:p>
         </p:txBody>
       </p:sp>
@@ -1815,7 +1815,7 @@
               </a:spcAft>
               <a:buNone/>
             </a:pPr>
-            <a:endParaRPr/>
+            <a:endParaRPr dirty="0"/>
           </a:p>
         </p:txBody>
       </p:sp>
@@ -1924,7 +1924,7 @@
               </a:spcAft>
               <a:buNone/>
             </a:pPr>
-            <a:endParaRPr/>
+            <a:endParaRPr dirty="0"/>
           </a:p>
         </p:txBody>
       </p:sp>
@@ -1994,7 +1994,7 @@
               </a:spcAft>
               <a:buNone/>
             </a:pPr>
-            <a:endParaRPr/>
+            <a:endParaRPr dirty="0"/>
           </a:p>
         </p:txBody>
       </p:sp>
@@ -2036,7 +2036,7 @@
               </a:spcAft>
               <a:buNone/>
             </a:pPr>
-            <a:endParaRPr/>
+            <a:endParaRPr dirty="0"/>
           </a:p>
         </p:txBody>
       </p:sp>
@@ -2292,7 +2292,7 @@
               </a:spcAft>
               <a:buNone/>
             </a:pPr>
-            <a:endParaRPr/>
+            <a:endParaRPr dirty="0"/>
           </a:p>
         </p:txBody>
       </p:sp>
@@ -2357,7 +2357,7 @@
               </a:spcAft>
               <a:buNone/>
             </a:pPr>
-            <a:endParaRPr/>
+            <a:endParaRPr dirty="0"/>
           </a:p>
         </p:txBody>
       </p:sp>
@@ -2399,7 +2399,7 @@
               </a:spcAft>
               <a:buNone/>
             </a:pPr>
-            <a:endParaRPr/>
+            <a:endParaRPr dirty="0"/>
           </a:p>
         </p:txBody>
       </p:sp>
@@ -2465,7 +2465,7 @@
               </a:spcAft>
               <a:buNone/>
             </a:pPr>
-            <a:endParaRPr/>
+            <a:endParaRPr dirty="0"/>
           </a:p>
         </p:txBody>
       </p:sp>
@@ -2707,7 +2707,7 @@
               <a:rPr lang="en"/>
               <a:t>‹N°›</a:t>
             </a:fld>
-            <a:endParaRPr/>
+            <a:endParaRPr dirty="0"/>
           </a:p>
         </p:txBody>
       </p:sp>
@@ -2774,7 +2774,7 @@
               </a:spcAft>
               <a:buNone/>
             </a:pPr>
-            <a:endParaRPr/>
+            <a:endParaRPr dirty="0"/>
           </a:p>
         </p:txBody>
       </p:sp>
@@ -2814,7 +2814,7 @@
               </a:spcAft>
               <a:buNone/>
             </a:pPr>
-            <a:endParaRPr/>
+            <a:endParaRPr dirty="0"/>
           </a:p>
         </p:txBody>
       </p:sp>
@@ -2930,7 +2930,7 @@
               <a:rPr lang="en"/>
               <a:t>‹N°›</a:t>
             </a:fld>
-            <a:endParaRPr/>
+            <a:endParaRPr dirty="0"/>
           </a:p>
         </p:txBody>
       </p:sp>
@@ -3596,7 +3596,7 @@
               <a:rPr lang="en"/>
               <a:t>‹N°›</a:t>
             </a:fld>
-            <a:endParaRPr/>
+            <a:endParaRPr dirty="0"/>
           </a:p>
         </p:txBody>
       </p:sp>
@@ -5607,7 +5607,7 @@
               <a:rPr lang="en"/>
               <a:t>10</a:t>
             </a:fld>
-            <a:endParaRPr/>
+            <a:endParaRPr dirty="0"/>
           </a:p>
         </p:txBody>
       </p:sp>
@@ -6815,7 +6815,7 @@
                 </a:spcAft>
                 <a:buNone/>
               </a:pPr>
-              <a:endParaRPr/>
+              <a:endParaRPr dirty="0"/>
             </a:p>
           </p:txBody>
         </p:sp>
@@ -7573,7 +7573,7 @@
                 </a:spcAft>
                 <a:buNone/>
               </a:pPr>
-              <a:endParaRPr/>
+              <a:endParaRPr dirty="0"/>
             </a:p>
           </p:txBody>
         </p:sp>
@@ -7927,7 +7927,7 @@
               <a:rPr lang="en"/>
               <a:t>11</a:t>
             </a:fld>
-            <a:endParaRPr/>
+            <a:endParaRPr dirty="0"/>
           </a:p>
         </p:txBody>
       </p:sp>
@@ -14472,7 +14472,7 @@
               <a:t>Ces deux faces de </a:t>
             </a:r>
             <a:r>
-              <a:rPr lang="en-US" sz="1600" dirty="0" err="1">
+              <a:rPr lang="fr-FR" sz="1600" dirty="0">
                 <a:latin typeface="Times New Roman" panose="02020603050405020304" pitchFamily="18" charset="0"/>
                 <a:ea typeface="Source Sans Pro" panose="020B0503030403020204" pitchFamily="34" charset="0"/>
                 <a:cs typeface="Times New Roman" panose="02020603050405020304" pitchFamily="18" charset="0"/>
@@ -14488,7 +14488,7 @@
               <a:t> </a:t>
             </a:r>
             <a:r>
-              <a:rPr lang="en-US" sz="1600" dirty="0" err="1">
+              <a:rPr lang="fr-FR" sz="1600" dirty="0">
                 <a:latin typeface="Times New Roman" panose="02020603050405020304" pitchFamily="18" charset="0"/>
                 <a:ea typeface="Source Sans Pro" panose="020B0503030403020204" pitchFamily="34" charset="0"/>
                 <a:cs typeface="Times New Roman" panose="02020603050405020304" pitchFamily="18" charset="0"/>
@@ -14542,7 +14542,7 @@
               <a:t>Un </a:t>
             </a:r>
             <a:r>
-              <a:rPr lang="en-US" sz="1600" dirty="0" err="1">
+              <a:rPr lang="fr-FR" sz="1600" dirty="0">
                 <a:latin typeface="Times New Roman" panose="02020603050405020304" pitchFamily="18" charset="0"/>
                 <a:ea typeface="Source Sans Pro" panose="020B0503030403020204" pitchFamily="34" charset="0"/>
                 <a:cs typeface="Times New Roman" panose="02020603050405020304" pitchFamily="18" charset="0"/>
@@ -15278,7 +15278,7 @@
               <a:rPr lang="en"/>
               <a:t>5</a:t>
             </a:fld>
-            <a:endParaRPr/>
+            <a:endParaRPr dirty="0"/>
           </a:p>
         </p:txBody>
       </p:sp>
@@ -15319,7 +15319,7 @@
               <a:t>Son intéret est sa simplicité car elle permet aux clients se </a:t>
             </a:r>
             <a:r>
-              <a:rPr lang="en-US" sz="1600" dirty="0" err="1">
+              <a:rPr lang="fr-FR" sz="1600" dirty="0">
                 <a:latin typeface="Times New Roman" panose="02020603050405020304" pitchFamily="18" charset="0"/>
                 <a:ea typeface="Source Sans Pro" panose="020B0503030403020204" pitchFamily="34" charset="0"/>
                 <a:cs typeface="Times New Roman" panose="02020603050405020304" pitchFamily="18" charset="0"/>
@@ -15335,7 +15335,7 @@
               <a:t> </a:t>
             </a:r>
             <a:r>
-              <a:rPr lang="en-US" sz="1600" dirty="0" err="1">
+              <a:rPr lang="fr-FR" sz="1600" dirty="0">
                 <a:latin typeface="Times New Roman" panose="02020603050405020304" pitchFamily="18" charset="0"/>
                 <a:ea typeface="Source Sans Pro" panose="020B0503030403020204" pitchFamily="34" charset="0"/>
                 <a:cs typeface="Times New Roman" panose="02020603050405020304" pitchFamily="18" charset="0"/>
@@ -15348,23 +15348,7 @@
                 <a:ea typeface="Source Sans Pro" panose="020B0503030403020204" pitchFamily="34" charset="0"/>
                 <a:cs typeface="Times New Roman" panose="02020603050405020304" pitchFamily="18" charset="0"/>
               </a:rPr>
-              <a:t> </a:t>
-            </a:r>
-            <a:r>
-              <a:rPr lang="en-US" sz="1600" dirty="0" err="1">
-                <a:latin typeface="Times New Roman" panose="02020603050405020304" pitchFamily="18" charset="0"/>
-                <a:ea typeface="Source Sans Pro" panose="020B0503030403020204" pitchFamily="34" charset="0"/>
-                <a:cs typeface="Times New Roman" panose="02020603050405020304" pitchFamily="18" charset="0"/>
-              </a:rPr>
-              <a:t>dans</a:t>
-            </a:r>
-            <a:r>
-              <a:rPr lang="en-US" sz="1600" dirty="0">
-                <a:latin typeface="Times New Roman" panose="02020603050405020304" pitchFamily="18" charset="0"/>
-                <a:ea typeface="Source Sans Pro" panose="020B0503030403020204" pitchFamily="34" charset="0"/>
-                <a:cs typeface="Times New Roman" panose="02020603050405020304" pitchFamily="18" charset="0"/>
-              </a:rPr>
-              <a:t> les consommations et productions de sa location. </a:t>
+              <a:t> dans les consommations et productions de sa location. </a:t>
             </a:r>
           </a:p>
         </p:txBody>
@@ -15698,7 +15682,7 @@
               <a:rPr lang="fr-FR" smtClean="0"/>
               <a:t>6</a:t>
             </a:fld>
-            <a:endParaRPr lang="fr-FR"/>
+            <a:endParaRPr lang="fr-FR" dirty="0"/>
           </a:p>
         </p:txBody>
       </p:sp>
@@ -16002,7 +15986,7 @@
         </p:nvSpPr>
         <p:spPr>
           <a:xfrm>
-            <a:off x="846651" y="1892437"/>
+            <a:off x="863277" y="1842559"/>
             <a:ext cx="4772242" cy="1384995"/>
           </a:xfrm>
           <a:prstGeom prst="rect">
@@ -16035,7 +16019,7 @@
                 <a:latin typeface="Times New Roman" panose="02020603050405020304" pitchFamily="18" charset="0"/>
                 <a:ea typeface="Calibri" panose="020F0502020204030204" pitchFamily="34" charset="0"/>
               </a:rPr>
-              <a:t>Réduire l’équipe d’intervention.</a:t>
+              <a:t>Accélérer le processus des équipes d’intervention.</a:t>
             </a:r>
           </a:p>
           <a:p>
@@ -16050,15 +16034,12 @@
                 <a:latin typeface="Times New Roman" panose="02020603050405020304" pitchFamily="18" charset="0"/>
                 <a:ea typeface="Calibri" panose="020F0502020204030204" pitchFamily="34" charset="0"/>
               </a:rPr>
-              <a:t>Minimiser les </a:t>
+              <a:t>Les couts sont donc réduit en déplacement et en temps humain.</a:t>
             </a:r>
-            <a:r>
-              <a:rPr lang="fr-FR" dirty="0">
-                <a:latin typeface="Times New Roman" panose="02020603050405020304" pitchFamily="18" charset="0"/>
-                <a:cs typeface="Times New Roman" panose="02020603050405020304" pitchFamily="18" charset="0"/>
-              </a:rPr>
-              <a:t>coûts de réparation des pannes.</a:t>
-            </a:r>
+            <a:endParaRPr lang="fr-FR" dirty="0">
+              <a:latin typeface="Times New Roman" panose="02020603050405020304" pitchFamily="18" charset="0"/>
+              <a:cs typeface="Times New Roman" panose="02020603050405020304" pitchFamily="18" charset="0"/>
+            </a:endParaRPr>
           </a:p>
           <a:p>
             <a:endParaRPr lang="fr-FR" dirty="0">
@@ -16295,7 +16276,7 @@
                 <a:latin typeface="Times New Roman" panose="02020603050405020304" pitchFamily="18" charset="0"/>
                 <a:ea typeface="Calibri" panose="020F0502020204030204" pitchFamily="34" charset="0"/>
               </a:rPr>
-              <a:t>3</a:t>
+              <a:t>#</a:t>
             </a:r>
           </a:p>
         </p:txBody>
@@ -16869,6 +16850,36 @@
           </a:p>
         </p:txBody>
       </p:sp>
+      <p:pic>
+        <p:nvPicPr>
+          <p:cNvPr id="2" name="Image 1">
+            <a:extLst>
+              <a:ext uri="{FF2B5EF4-FFF2-40B4-BE49-F238E27FC236}">
+                <a16:creationId xmlns:a16="http://schemas.microsoft.com/office/drawing/2014/main" id="{55B40986-F5B5-4CE5-BFE6-AD97AB2BE55A}"/>
+              </a:ext>
+            </a:extLst>
+          </p:cNvPr>
+          <p:cNvPicPr>
+            <a:picLocks noChangeAspect="1"/>
+          </p:cNvPicPr>
+          <p:nvPr/>
+        </p:nvPicPr>
+        <p:blipFill>
+          <a:blip r:embed="rId5"/>
+          <a:stretch>
+            <a:fillRect/>
+          </a:stretch>
+        </p:blipFill>
+        <p:spPr>
+          <a:xfrm>
+            <a:off x="5007387" y="1274477"/>
+            <a:ext cx="3799857" cy="2042301"/>
+          </a:xfrm>
+          <a:prstGeom prst="rect">
+            <a:avLst/>
+          </a:prstGeom>
+        </p:spPr>
+      </p:pic>
     </p:spTree>
     <p:extLst>
       <p:ext uri="{BB962C8B-B14F-4D97-AF65-F5344CB8AC3E}">
@@ -17415,8 +17426,8 @@
         </p:blipFill>
         <p:spPr>
           <a:xfrm>
-            <a:off x="945963" y="692543"/>
-            <a:ext cx="7252073" cy="3942431"/>
+            <a:off x="945963" y="609413"/>
+            <a:ext cx="7252073" cy="4103903"/>
           </a:xfrm>
           <a:prstGeom prst="rect">
             <a:avLst/>
@@ -17491,7 +17502,7 @@
               <a:rPr lang="en"/>
               <a:t>9</a:t>
             </a:fld>
-            <a:endParaRPr/>
+            <a:endParaRPr dirty="0"/>
           </a:p>
         </p:txBody>
       </p:sp>
